--- a/Matches/Action Pistol - ISA - April 2021/North Pistol, B - El Presidente, But Twice.pptx
+++ b/Matches/Action Pistol - ISA - April 2021/North Pistol, B - El Presidente, But Twice.pptx
@@ -335,7 +335,7 @@
               <a:pPr>
                 <a:defRPr/>
               </a:pPr>
-              <a:t>02.04.2021</a:t>
+              <a:t>04.04.2021</a:t>
             </a:fld>
             <a:endParaRPr lang="en-US"/>
           </a:p>
@@ -4232,14 +4232,14 @@
           <p:nvPr>
             <p:extLst>
               <p:ext uri="{D42A27DB-BD31-4B8C-83A1-F6EECF244321}">
-                <p14:modId xmlns:p14="http://schemas.microsoft.com/office/powerpoint/2010/main" val="407752357"/>
+                <p14:modId xmlns:p14="http://schemas.microsoft.com/office/powerpoint/2010/main" val="3846520396"/>
               </p:ext>
             </p:extLst>
           </p:nvPr>
         </p:nvGraphicFramePr>
         <p:xfrm>
           <a:off x="152400" y="152400"/>
-          <a:ext cx="7010400" cy="3710295"/>
+          <a:ext cx="7010400" cy="3811439"/>
         </p:xfrm>
         <a:graphic>
           <a:graphicData uri="http://schemas.openxmlformats.org/drawingml/2006/table">
@@ -4725,7 +4725,7 @@
                           <a:ea typeface="ＭＳ Ｐゴシック" pitchFamily="-112" charset="-128"/>
                           <a:cs typeface="Times New Roman" pitchFamily="-112" charset="0"/>
                         </a:rPr>
-                        <a:t>, wrists above shoulders.</a:t>
+                        <a:t>, wrists above shoulders, toes touching rear of box.</a:t>
                       </a:r>
                     </a:p>
                     <a:p>
@@ -5208,37 +5208,7 @@
                           <a:ea typeface="ＭＳ Ｐゴシック" pitchFamily="-112" charset="-128"/>
                           <a:cs typeface="Times New Roman" pitchFamily="-112" charset="0"/>
                         </a:rPr>
-                        <a:t>Muzzle Safe Points</a:t>
-                      </a:r>
-                      <a:r>
-                        <a:rPr kumimoji="0" lang="en-US" sz="1100" b="1" i="0" u="none" strike="noStrike" cap="none" normalizeH="0" baseline="0">
-                          <a:ln>
-                            <a:noFill/>
-                          </a:ln>
-                          <a:solidFill>
-                            <a:schemeClr val="tx1"/>
-                          </a:solidFill>
-                          <a:effectLst/>
-                          <a:latin typeface="Arial" charset="0"/>
-                          <a:ea typeface="ＭＳ Ｐゴシック" pitchFamily="-112" charset="-128"/>
-                          <a:cs typeface="Times New Roman" pitchFamily="-112" charset="0"/>
-                        </a:rPr>
-                        <a:t>: 180 </a:t>
-                      </a:r>
-                      <a:r>
-                        <a:rPr kumimoji="0" lang="en-US" sz="1100" b="1" i="0" u="none" strike="noStrike" cap="none" normalizeH="0" baseline="0" dirty="0">
-                          <a:ln>
-                            <a:noFill/>
-                          </a:ln>
-                          <a:solidFill>
-                            <a:schemeClr val="tx1"/>
-                          </a:solidFill>
-                          <a:effectLst/>
-                          <a:latin typeface="Arial" charset="0"/>
-                          <a:ea typeface="ＭＳ Ｐゴシック" pitchFamily="-112" charset="-128"/>
-                          <a:cs typeface="Times New Roman" pitchFamily="-112" charset="0"/>
-                        </a:rPr>
-                        <a:t>degree rule</a:t>
+                        <a:t>Muzzle Safe Points: 180 degree rule</a:t>
                       </a:r>
                     </a:p>
                     <a:p>
